--- a/examples/fsm-logo-flowchart/puzzle.examples.overlap.flowchart.aspects/models/ToyFlowchart.pptx
+++ b/examples/fsm-logo-flowchart/puzzle.examples.overlap.flowchart.aspects/models/ToyFlowchart.pptx
@@ -288,7 +288,7 @@
           <a:p>
             <a:fld id="{6CAE21E9-FA34-8F46-9914-DF98E944AD5B}" type="datetimeFigureOut">
               <a:rPr lang="fr-FR" smtClean="0"/>
-              <a:t>26/02/2016</a:t>
+              <a:t>29/02/2016</a:t>
             </a:fld>
             <a:endParaRPr lang="fr-FR"/>
           </a:p>
@@ -458,7 +458,7 @@
           <a:p>
             <a:fld id="{6CAE21E9-FA34-8F46-9914-DF98E944AD5B}" type="datetimeFigureOut">
               <a:rPr lang="fr-FR" smtClean="0"/>
-              <a:t>26/02/2016</a:t>
+              <a:t>29/02/2016</a:t>
             </a:fld>
             <a:endParaRPr lang="fr-FR"/>
           </a:p>
@@ -638,7 +638,7 @@
           <a:p>
             <a:fld id="{6CAE21E9-FA34-8F46-9914-DF98E944AD5B}" type="datetimeFigureOut">
               <a:rPr lang="fr-FR" smtClean="0"/>
-              <a:t>26/02/2016</a:t>
+              <a:t>29/02/2016</a:t>
             </a:fld>
             <a:endParaRPr lang="fr-FR"/>
           </a:p>
@@ -808,7 +808,7 @@
           <a:p>
             <a:fld id="{6CAE21E9-FA34-8F46-9914-DF98E944AD5B}" type="datetimeFigureOut">
               <a:rPr lang="fr-FR" smtClean="0"/>
-              <a:t>26/02/2016</a:t>
+              <a:t>29/02/2016</a:t>
             </a:fld>
             <a:endParaRPr lang="fr-FR"/>
           </a:p>
@@ -1054,7 +1054,7 @@
           <a:p>
             <a:fld id="{6CAE21E9-FA34-8F46-9914-DF98E944AD5B}" type="datetimeFigureOut">
               <a:rPr lang="fr-FR" smtClean="0"/>
-              <a:t>26/02/2016</a:t>
+              <a:t>29/02/2016</a:t>
             </a:fld>
             <a:endParaRPr lang="fr-FR"/>
           </a:p>
@@ -1342,7 +1342,7 @@
           <a:p>
             <a:fld id="{6CAE21E9-FA34-8F46-9914-DF98E944AD5B}" type="datetimeFigureOut">
               <a:rPr lang="fr-FR" smtClean="0"/>
-              <a:t>26/02/2016</a:t>
+              <a:t>29/02/2016</a:t>
             </a:fld>
             <a:endParaRPr lang="fr-FR"/>
           </a:p>
@@ -1764,7 +1764,7 @@
           <a:p>
             <a:fld id="{6CAE21E9-FA34-8F46-9914-DF98E944AD5B}" type="datetimeFigureOut">
               <a:rPr lang="fr-FR" smtClean="0"/>
-              <a:t>26/02/2016</a:t>
+              <a:t>29/02/2016</a:t>
             </a:fld>
             <a:endParaRPr lang="fr-FR"/>
           </a:p>
@@ -1882,7 +1882,7 @@
           <a:p>
             <a:fld id="{6CAE21E9-FA34-8F46-9914-DF98E944AD5B}" type="datetimeFigureOut">
               <a:rPr lang="fr-FR" smtClean="0"/>
-              <a:t>26/02/2016</a:t>
+              <a:t>29/02/2016</a:t>
             </a:fld>
             <a:endParaRPr lang="fr-FR"/>
           </a:p>
@@ -1977,7 +1977,7 @@
           <a:p>
             <a:fld id="{6CAE21E9-FA34-8F46-9914-DF98E944AD5B}" type="datetimeFigureOut">
               <a:rPr lang="fr-FR" smtClean="0"/>
-              <a:t>26/02/2016</a:t>
+              <a:t>29/02/2016</a:t>
             </a:fld>
             <a:endParaRPr lang="fr-FR"/>
           </a:p>
@@ -2254,7 +2254,7 @@
           <a:p>
             <a:fld id="{6CAE21E9-FA34-8F46-9914-DF98E944AD5B}" type="datetimeFigureOut">
               <a:rPr lang="fr-FR" smtClean="0"/>
-              <a:t>26/02/2016</a:t>
+              <a:t>29/02/2016</a:t>
             </a:fld>
             <a:endParaRPr lang="fr-FR"/>
           </a:p>
@@ -2507,7 +2507,7 @@
           <a:p>
             <a:fld id="{6CAE21E9-FA34-8F46-9914-DF98E944AD5B}" type="datetimeFigureOut">
               <a:rPr lang="fr-FR" smtClean="0"/>
-              <a:t>26/02/2016</a:t>
+              <a:t>29/02/2016</a:t>
             </a:fld>
             <a:endParaRPr lang="fr-FR"/>
           </a:p>
@@ -2720,7 +2720,7 @@
           <a:p>
             <a:fld id="{6CAE21E9-FA34-8F46-9914-DF98E944AD5B}" type="datetimeFigureOut">
               <a:rPr lang="fr-FR" smtClean="0"/>
-              <a:t>26/02/2016</a:t>
+              <a:t>29/02/2016</a:t>
             </a:fld>
             <a:endParaRPr lang="fr-FR"/>
           </a:p>
@@ -4022,10 +4022,6 @@
               </a:rPr>
               <a:t>D</a:t>
             </a:r>
-            <a:endParaRPr lang="fr-FR" sz="1300" b="1" dirty="0">
-              <a:latin typeface="Seravek ExtraLight"/>
-              <a:cs typeface="Seravek ExtraLight"/>
-            </a:endParaRPr>
           </a:p>
         </p:txBody>
       </p:sp>
@@ -4749,6 +4745,80 @@
           </a:fontRef>
         </p:style>
       </p:cxnSp>
+      <p:sp>
+        <p:nvSpPr>
+          <p:cNvPr id="38" name="ZoneTexte 37"/>
+          <p:cNvSpPr txBox="1"/>
+          <p:nvPr/>
+        </p:nvSpPr>
+        <p:spPr>
+          <a:xfrm>
+            <a:off x="4996407" y="2000288"/>
+            <a:ext cx="811991" cy="292388"/>
+          </a:xfrm>
+          <a:prstGeom prst="rect">
+            <a:avLst/>
+          </a:prstGeom>
+          <a:noFill/>
+        </p:spPr>
+        <p:txBody>
+          <a:bodyPr wrap="square" rtlCol="0">
+            <a:spAutoFit/>
+          </a:bodyPr>
+          <a:lstStyle/>
+          <a:p>
+            <a:pPr algn="ctr"/>
+            <a:r>
+              <a:rPr lang="fr-FR" sz="1300" b="1" dirty="0" err="1" smtClean="0">
+                <a:latin typeface="Seravek ExtraLight"/>
+                <a:cs typeface="Seravek ExtraLight"/>
+              </a:rPr>
+              <a:t>yes</a:t>
+            </a:r>
+            <a:endParaRPr lang="fr-FR" sz="1300" b="1" dirty="0">
+              <a:latin typeface="Seravek ExtraLight"/>
+              <a:cs typeface="Seravek ExtraLight"/>
+            </a:endParaRPr>
+          </a:p>
+        </p:txBody>
+      </p:sp>
+      <p:sp>
+        <p:nvSpPr>
+          <p:cNvPr id="39" name="ZoneTexte 38"/>
+          <p:cNvSpPr txBox="1"/>
+          <p:nvPr/>
+        </p:nvSpPr>
+        <p:spPr>
+          <a:xfrm>
+            <a:off x="4996020" y="3139691"/>
+            <a:ext cx="811991" cy="292388"/>
+          </a:xfrm>
+          <a:prstGeom prst="rect">
+            <a:avLst/>
+          </a:prstGeom>
+          <a:noFill/>
+        </p:spPr>
+        <p:txBody>
+          <a:bodyPr wrap="square" rtlCol="0">
+            <a:spAutoFit/>
+          </a:bodyPr>
+          <a:lstStyle/>
+          <a:p>
+            <a:pPr algn="ctr"/>
+            <a:r>
+              <a:rPr lang="fr-FR" sz="1300" b="1" dirty="0" smtClean="0">
+                <a:latin typeface="Seravek ExtraLight"/>
+                <a:cs typeface="Seravek ExtraLight"/>
+              </a:rPr>
+              <a:t>no</a:t>
+            </a:r>
+            <a:endParaRPr lang="fr-FR" sz="1300" b="1" dirty="0">
+              <a:latin typeface="Seravek ExtraLight"/>
+              <a:cs typeface="Seravek ExtraLight"/>
+            </a:endParaRPr>
+          </a:p>
+        </p:txBody>
+      </p:sp>
     </p:spTree>
     <p:extLst>
       <p:ext uri="{BB962C8B-B14F-4D97-AF65-F5344CB8AC3E}">
